--- a/ppt/インストールの確認.pptx
+++ b/ppt/インストールの確認.pptx
@@ -6355,7 +6355,7 @@
           <a:graphicData uri="http://schemas.openxmlformats.org/presentationml/2006/ole">
             <mc:AlternateContent xmlns:mc="http://schemas.openxmlformats.org/markup-compatibility/2006">
               <mc:Choice xmlns:v="urn:schemas-microsoft-com:vml" Requires="v">
-                <p:oleObj spid="_x0000_s1420" name="Corel DESIGNER" r:id="rId18" imgW="2743200" imgH="1536480" progId="Corel DESIGNER.Graphic.10">
+                <p:oleObj spid="_x0000_s1427" name="Corel DESIGNER" r:id="rId18" imgW="2743200" imgH="1536480" progId="Corel DESIGNER.Graphic.10">
                   <p:embed/>
                 </p:oleObj>
               </mc:Choice>
@@ -7547,53 +7547,8 @@
                   <a:srgbClr val="5F5F5F"/>
                 </a:solidFill>
               </a:rPr>
-              <a:t>OpenRTM-aist-1.2.2-RELEASE_x86_64.msi</a:t>
-            </a:r>
-          </a:p>
-          <a:p>
-            <a:pPr lvl="2" eaLnBrk="1" hangingPunct="1">
-              <a:lnSpc>
-                <a:spcPct val="80000"/>
-              </a:lnSpc>
-              <a:defRPr/>
-            </a:pPr>
-            <a:r>
-              <a:rPr lang="en-US" altLang="ja-JP" sz="1400" dirty="0">
-                <a:solidFill>
-                  <a:srgbClr val="5F5F5F"/>
-                </a:solidFill>
-              </a:rPr>
-              <a:t>Python 3.8</a:t>
-            </a:r>
-            <a:r>
-              <a:rPr lang="ja-JP" altLang="en-US" sz="1400" dirty="0">
-                <a:solidFill>
-                  <a:srgbClr val="5F5F5F"/>
-                </a:solidFill>
-              </a:rPr>
-              <a:t>を使用する場合は</a:t>
-            </a:r>
-            <a:r>
-              <a:rPr lang="en-US" altLang="ja-JP" sz="1400" dirty="0">
-                <a:solidFill>
-                  <a:srgbClr val="5F5F5F"/>
-                </a:solidFill>
-              </a:rPr>
-              <a:t>OpenRTM-aist-1.2.2-Beta200501_x86_64.1.msi</a:t>
-            </a:r>
-            <a:r>
-              <a:rPr lang="ja-JP" altLang="en-US" sz="1400" dirty="0">
-                <a:solidFill>
-                  <a:srgbClr val="5F5F5F"/>
-                </a:solidFill>
-              </a:rPr>
-              <a:t>をインストール</a:t>
-            </a:r>
-            <a:endParaRPr lang="en-US" altLang="ja-JP" sz="1400" dirty="0">
-              <a:solidFill>
-                <a:srgbClr val="5F5F5F"/>
-              </a:solidFill>
-            </a:endParaRPr>
+              <a:t>OpenRTM-aist-2.0.0-RC220404_x86_64.msi</a:t>
+            </a:r>
           </a:p>
           <a:p>
             <a:pPr lvl="1" eaLnBrk="1" hangingPunct="1">
@@ -7664,7 +7619,7 @@
                   <a:srgbClr val="5F5F5F"/>
                 </a:solidFill>
               </a:rPr>
-              <a:t>python-3.8.10-amd64.exe</a:t>
+              <a:t>python-3.10.2-amd64.exe</a:t>
             </a:r>
           </a:p>
           <a:p>
@@ -7789,18 +7744,13 @@
               <a:defRPr/>
             </a:pPr>
             <a:r>
-              <a:rPr lang="en-US" altLang="ja-JP" sz="2000" dirty="0" err="1">
-                <a:solidFill>
-                  <a:srgbClr val="5F5F5F"/>
-                </a:solidFill>
-              </a:rPr>
-              <a:t>Doxygen</a:t>
-            </a:r>
-            <a:endParaRPr lang="en-US" altLang="ja-JP" sz="2000" dirty="0">
-              <a:solidFill>
-                <a:srgbClr val="5F5F5F"/>
-              </a:solidFill>
-            </a:endParaRPr>
+              <a:rPr lang="en-US" altLang="ja-JP" sz="2000" dirty="0">
+                <a:solidFill>
+                  <a:srgbClr val="5F5F5F"/>
+                </a:solidFill>
+              </a:rPr>
+              <a:t>Visual Studio</a:t>
+            </a:r>
           </a:p>
           <a:p>
             <a:pPr lvl="1" eaLnBrk="1" hangingPunct="1">
@@ -7815,7 +7765,7 @@
                   <a:srgbClr val="5F5F5F"/>
                 </a:solidFill>
               </a:rPr>
-              <a:t>doxygen-1.9.1-setup.exe</a:t>
+              <a:t>Visual Studio 2019</a:t>
             </a:r>
           </a:p>
           <a:p>
@@ -7831,23 +7781,23 @@
                   <a:srgbClr val="5F5F5F"/>
                 </a:solidFill>
               </a:rPr>
-              <a:t>Visual Studio</a:t>
-            </a:r>
-          </a:p>
-          <a:p>
-            <a:pPr lvl="1" eaLnBrk="1" hangingPunct="1">
-              <a:lnSpc>
-                <a:spcPct val="80000"/>
-              </a:lnSpc>
-              <a:defRPr/>
-            </a:pPr>
-            <a:r>
-              <a:rPr lang="en-US" altLang="ja-JP" sz="1600" dirty="0">
-                <a:solidFill>
-                  <a:srgbClr val="5F5F5F"/>
-                </a:solidFill>
-              </a:rPr>
-              <a:t>Visual Studio 2019</a:t>
+              <a:t>Visual Studio Code(</a:t>
+            </a:r>
+            <a:r>
+              <a:rPr lang="ja-JP" altLang="en-US" sz="2000" dirty="0">
+                <a:solidFill>
+                  <a:srgbClr val="5F5F5F"/>
+                </a:solidFill>
+              </a:rPr>
+              <a:t>インストール推奨</a:t>
+            </a:r>
+            <a:r>
+              <a:rPr lang="en-US" altLang="ja-JP" sz="2000" dirty="0">
+                <a:solidFill>
+                  <a:srgbClr val="5F5F5F"/>
+                </a:solidFill>
+              </a:rPr>
+              <a:t>)</a:t>
             </a:r>
           </a:p>
         </p:txBody>
@@ -9638,6 +9588,22 @@
                   <a:srgbClr val="5F5F5F"/>
                 </a:solidFill>
               </a:rPr>
+              <a:t>部、第</a:t>
+            </a:r>
+            <a:r>
+              <a:rPr lang="en-US" altLang="ja-JP" sz="1800" kern="0" dirty="0">
+                <a:solidFill>
+                  <a:srgbClr val="5F5F5F"/>
+                </a:solidFill>
+              </a:rPr>
+              <a:t>5</a:t>
+            </a:r>
+            <a:r>
+              <a:rPr lang="ja-JP" altLang="en-US" sz="1800" kern="0" dirty="0">
+                <a:solidFill>
+                  <a:srgbClr val="5F5F5F"/>
+                </a:solidFill>
+              </a:rPr>
               <a:t>部スライド</a:t>
             </a:r>
             <a:endParaRPr lang="en-US" altLang="ja-JP" sz="1800" kern="0" dirty="0">
@@ -9822,6 +9788,34 @@
             </a:endParaRPr>
           </a:p>
           <a:p>
+            <a:pPr lvl="1" eaLnBrk="1" hangingPunct="1">
+              <a:lnSpc>
+                <a:spcPct val="80000"/>
+              </a:lnSpc>
+            </a:pPr>
+            <a:r>
+              <a:rPr lang="en-US" altLang="ja-JP" sz="1800" kern="0" dirty="0" err="1">
+                <a:solidFill>
+                  <a:srgbClr val="5F5F5F"/>
+                </a:solidFill>
+              </a:rPr>
+              <a:t>Choreonoid</a:t>
+            </a:r>
+            <a:r>
+              <a:rPr lang="ja-JP" altLang="en-US" sz="1800" kern="0" dirty="0">
+                <a:solidFill>
+                  <a:srgbClr val="5F5F5F"/>
+                </a:solidFill>
+              </a:rPr>
+              <a:t>入門</a:t>
+            </a:r>
+            <a:endParaRPr lang="en-US" altLang="ja-JP" sz="1800" kern="0" dirty="0">
+              <a:solidFill>
+                <a:srgbClr val="5F5F5F"/>
+              </a:solidFill>
+            </a:endParaRPr>
+          </a:p>
+          <a:p>
             <a:pPr eaLnBrk="1" hangingPunct="1">
               <a:lnSpc>
                 <a:spcPct val="80000"/>
@@ -9833,7 +9827,7 @@
                   <a:srgbClr val="5F5F5F"/>
                 </a:solidFill>
               </a:rPr>
-              <a:t>Installer(OpenRTM-aist-1.2.1</a:t>
+              <a:t>Installer(OpenRTM-aist-2.0.0</a:t>
             </a:r>
             <a:r>
               <a:rPr lang="ja-JP" altLang="en-US" sz="2400" kern="0" dirty="0">
@@ -10538,12 +10532,20 @@
               </a:lnSpc>
             </a:pPr>
             <a:r>
+              <a:rPr lang="en-US" altLang="ja-JP" sz="2400">
+                <a:solidFill>
+                  <a:srgbClr val="5F5F5F"/>
+                </a:solidFill>
+              </a:rPr>
+              <a:t>python-3.10.4-amd64</a:t>
+            </a:r>
+            <a:r>
               <a:rPr lang="en-US" altLang="ja-JP" sz="2400" dirty="0">
                 <a:solidFill>
                   <a:srgbClr val="5F5F5F"/>
                 </a:solidFill>
               </a:rPr>
-              <a:t>python-3.8.10-amd64.exe</a:t>
+              <a:t>.exe</a:t>
             </a:r>
           </a:p>
           <a:p>
@@ -10558,7 +10560,7 @@
                   <a:srgbClr val="5F5F5F"/>
                 </a:solidFill>
               </a:rPr>
-              <a:t>OpenRTM-aist-1.2.2-RELEASE_x86_64.msi</a:t>
+              <a:t>OpenRTM-aist-2.0.0-RC220404_x86_64.msi</a:t>
             </a:r>
           </a:p>
           <a:p>
@@ -10601,7 +10603,7 @@
                   <a:srgbClr val="5F5F5F"/>
                 </a:solidFill>
               </a:rPr>
-              <a:t>cmake-3.20.2-windows-x86_64.msi</a:t>
+              <a:t>cmake-3.23.2-windows-x86_64.msi</a:t>
             </a:r>
           </a:p>
           <a:p>

--- a/ppt/インストールの確認.pptx
+++ b/ppt/インストールの確認.pptx
@@ -2186,7 +2186,7 @@
           <a:lstStyle/>
           <a:p>
             <a:pPr eaLnBrk="1" hangingPunct="1"/>
-            <a:endParaRPr lang="en-US" altLang="ja-JP">
+            <a:endParaRPr lang="en-US" altLang="ja-JP" dirty="0">
               <a:latin typeface="Arial" panose="020B0604020202020204" pitchFamily="34" charset="0"/>
             </a:endParaRPr>
           </a:p>
@@ -6355,7 +6355,7 @@
           <a:graphicData uri="http://schemas.openxmlformats.org/presentationml/2006/ole">
             <mc:AlternateContent xmlns:mc="http://schemas.openxmlformats.org/markup-compatibility/2006">
               <mc:Choice xmlns:v="urn:schemas-microsoft-com:vml" Requires="v">
-                <p:oleObj spid="_x0000_s1427" name="Corel DESIGNER" r:id="rId18" imgW="2743200" imgH="1536480" progId="Corel DESIGNER.Graphic.10">
+                <p:oleObj spid="_x0000_s1435" name="Corel DESIGNER" r:id="rId18" imgW="2743200" imgH="1536480" progId="Corel DESIGNER.Graphic.10">
                   <p:embed/>
                 </p:oleObj>
               </mc:Choice>
@@ -6954,7 +6954,7 @@
               <a:t>インダストリアル</a:t>
             </a:r>
             <a:r>
-              <a:rPr lang="en-US" altLang="ja-JP" sz="2000">
+              <a:rPr lang="en-US" altLang="ja-JP" sz="2000" dirty="0">
                 <a:solidFill>
                   <a:srgbClr val="5F5F5F"/>
                 </a:solidFill>
@@ -6967,32 +6967,13 @@
                   <a:srgbClr val="5F5F5F"/>
                 </a:solidFill>
               </a:rPr>
-              <a:t>研究</a:t>
-            </a:r>
-            <a:r>
-              <a:rPr lang="ja-JP" altLang="en-US" sz="2000" dirty="0">
-                <a:solidFill>
-                  <a:srgbClr val="5F5F5F"/>
-                </a:solidFill>
-              </a:rPr>
-              <a:t>センター</a:t>
-            </a:r>
-            <a:endParaRPr lang="en-US" altLang="ja-JP" sz="2000" dirty="0">
+              <a:t>研究センター</a:t>
+            </a:r>
+            <a:endParaRPr lang="ja-JP" altLang="en-US" sz="2000" dirty="0">
               <a:solidFill>
                 <a:srgbClr val="5F5F5F"/>
               </a:solidFill>
             </a:endParaRPr>
-          </a:p>
-          <a:p>
-            <a:pPr algn="l" eaLnBrk="1" hangingPunct="1"/>
-            <a:r>
-              <a:rPr lang="ja-JP" altLang="en-US" sz="2000" dirty="0">
-                <a:solidFill>
-                  <a:srgbClr val="5F5F5F"/>
-                </a:solidFill>
-              </a:rPr>
-              <a:t>ソフトウェアプラットフォーム研究チーム</a:t>
-            </a:r>
           </a:p>
         </p:txBody>
       </p:sp>
@@ -7619,8 +7600,29 @@
                   <a:srgbClr val="5F5F5F"/>
                 </a:solidFill>
               </a:rPr>
-              <a:t>python-3.10.2-amd64.exe</a:t>
-            </a:r>
+              <a:t>python-3.10.4-amd64.exe</a:t>
+            </a:r>
+          </a:p>
+          <a:p>
+            <a:pPr eaLnBrk="1" hangingPunct="1">
+              <a:lnSpc>
+                <a:spcPct val="80000"/>
+              </a:lnSpc>
+              <a:defRPr/>
+            </a:pPr>
+            <a:r>
+              <a:rPr lang="en-US" altLang="ja-JP" sz="2000" dirty="0" err="1">
+                <a:solidFill>
+                  <a:srgbClr val="5F5F5F"/>
+                </a:solidFill>
+              </a:rPr>
+              <a:t>CMake</a:t>
+            </a:r>
+            <a:endParaRPr lang="en-US" altLang="ja-JP" sz="2000" dirty="0">
+              <a:solidFill>
+                <a:srgbClr val="5F5F5F"/>
+              </a:solidFill>
+            </a:endParaRPr>
           </a:p>
           <a:p>
             <a:pPr lvl="1" eaLnBrk="1" hangingPunct="1">
@@ -7635,69 +7637,8 @@
                   <a:srgbClr val="5F5F5F"/>
                 </a:solidFill>
               </a:rPr>
-              <a:t>OpenRTM-aist</a:t>
-            </a:r>
-            <a:r>
-              <a:rPr lang="ja-JP" altLang="en-US" sz="1600" dirty="0">
-                <a:solidFill>
-                  <a:srgbClr val="5F5F5F"/>
-                </a:solidFill>
-              </a:rPr>
-              <a:t>の</a:t>
-            </a:r>
-            <a:r>
-              <a:rPr lang="en-US" altLang="ja-JP" sz="1600" dirty="0">
-                <a:solidFill>
-                  <a:srgbClr val="5F5F5F"/>
-                </a:solidFill>
-              </a:rPr>
-              <a:t>64bit</a:t>
-            </a:r>
-            <a:r>
-              <a:rPr lang="ja-JP" altLang="en-US" sz="1600" dirty="0">
-                <a:solidFill>
-                  <a:srgbClr val="5F5F5F"/>
-                </a:solidFill>
-              </a:rPr>
-              <a:t>版をインストールする場合は</a:t>
-            </a:r>
-            <a:r>
-              <a:rPr lang="en-US" altLang="ja-JP" sz="1600" dirty="0">
-                <a:solidFill>
-                  <a:srgbClr val="5F5F5F"/>
-                </a:solidFill>
-              </a:rPr>
-              <a:t>Python</a:t>
-            </a:r>
-            <a:r>
-              <a:rPr lang="ja-JP" altLang="en-US" sz="1600" dirty="0">
-                <a:solidFill>
-                  <a:srgbClr val="5F5F5F"/>
-                </a:solidFill>
-              </a:rPr>
-              <a:t>も</a:t>
-            </a:r>
-            <a:r>
-              <a:rPr lang="en-US" altLang="ja-JP" sz="1600" dirty="0">
-                <a:solidFill>
-                  <a:srgbClr val="5F5F5F"/>
-                </a:solidFill>
-              </a:rPr>
-              <a:t>64bit</a:t>
-            </a:r>
-            <a:r>
-              <a:rPr lang="ja-JP" altLang="en-US" sz="1600" dirty="0">
-                <a:solidFill>
-                  <a:srgbClr val="5F5F5F"/>
-                </a:solidFill>
-              </a:rPr>
-              <a:t>版をインストールする。</a:t>
-            </a:r>
-            <a:endParaRPr lang="en-US" altLang="ja-JP" sz="1600" dirty="0">
-              <a:solidFill>
-                <a:srgbClr val="5F5F5F"/>
-              </a:solidFill>
-            </a:endParaRPr>
+              <a:t>cmake-3.23.2-windows-x86_64.msi</a:t>
+            </a:r>
           </a:p>
           <a:p>
             <a:pPr eaLnBrk="1" hangingPunct="1">
@@ -7707,18 +7648,13 @@
               <a:defRPr/>
             </a:pPr>
             <a:r>
-              <a:rPr lang="en-US" altLang="ja-JP" sz="2000" dirty="0" err="1">
-                <a:solidFill>
-                  <a:srgbClr val="5F5F5F"/>
-                </a:solidFill>
-              </a:rPr>
-              <a:t>CMake</a:t>
-            </a:r>
-            <a:endParaRPr lang="en-US" altLang="ja-JP" sz="2000" dirty="0">
-              <a:solidFill>
-                <a:srgbClr val="5F5F5F"/>
-              </a:solidFill>
-            </a:endParaRPr>
+              <a:rPr lang="en-US" altLang="ja-JP" sz="2000" dirty="0">
+                <a:solidFill>
+                  <a:srgbClr val="5F5F5F"/>
+                </a:solidFill>
+              </a:rPr>
+              <a:t>Visual Studio</a:t>
+            </a:r>
           </a:p>
           <a:p>
             <a:pPr lvl="1" eaLnBrk="1" hangingPunct="1">
@@ -7733,23 +7669,7 @@
                   <a:srgbClr val="5F5F5F"/>
                 </a:solidFill>
               </a:rPr>
-              <a:t>cmake-3.20.2-windows-x86_64.msi</a:t>
-            </a:r>
-          </a:p>
-          <a:p>
-            <a:pPr eaLnBrk="1" hangingPunct="1">
-              <a:lnSpc>
-                <a:spcPct val="80000"/>
-              </a:lnSpc>
-              <a:defRPr/>
-            </a:pPr>
-            <a:r>
-              <a:rPr lang="en-US" altLang="ja-JP" sz="2000" dirty="0">
-                <a:solidFill>
-                  <a:srgbClr val="5F5F5F"/>
-                </a:solidFill>
-              </a:rPr>
-              <a:t>Visual Studio</a:t>
+              <a:t>Visual Studio 2019</a:t>
             </a:r>
           </a:p>
           <a:p>
@@ -7765,8 +7685,69 @@
                   <a:srgbClr val="5F5F5F"/>
                 </a:solidFill>
               </a:rPr>
-              <a:t>Visual Studio 2019</a:t>
-            </a:r>
+              <a:t>2013</a:t>
+            </a:r>
+            <a:r>
+              <a:rPr lang="ja-JP" altLang="en-US" sz="1600" dirty="0">
+                <a:solidFill>
+                  <a:srgbClr val="5F5F5F"/>
+                </a:solidFill>
+              </a:rPr>
+              <a:t>、</a:t>
+            </a:r>
+            <a:r>
+              <a:rPr lang="en-US" altLang="ja-JP" sz="1600" dirty="0">
+                <a:solidFill>
+                  <a:srgbClr val="5F5F5F"/>
+                </a:solidFill>
+              </a:rPr>
+              <a:t>2015</a:t>
+            </a:r>
+            <a:r>
+              <a:rPr lang="ja-JP" altLang="en-US" sz="1600" dirty="0">
+                <a:solidFill>
+                  <a:srgbClr val="5F5F5F"/>
+                </a:solidFill>
+              </a:rPr>
+              <a:t>、</a:t>
+            </a:r>
+            <a:r>
+              <a:rPr lang="en-US" altLang="ja-JP" sz="1600" dirty="0">
+                <a:solidFill>
+                  <a:srgbClr val="5F5F5F"/>
+                </a:solidFill>
+              </a:rPr>
+              <a:t>2017</a:t>
+            </a:r>
+            <a:r>
+              <a:rPr lang="ja-JP" altLang="en-US" sz="1600" dirty="0">
+                <a:solidFill>
+                  <a:srgbClr val="5F5F5F"/>
+                </a:solidFill>
+              </a:rPr>
+              <a:t>、</a:t>
+            </a:r>
+            <a:r>
+              <a:rPr lang="en-US" altLang="ja-JP" sz="1600" dirty="0">
+                <a:solidFill>
+                  <a:srgbClr val="5F5F5F"/>
+                </a:solidFill>
+              </a:rPr>
+              <a:t>2022</a:t>
+            </a:r>
+            <a:r>
+              <a:rPr lang="ja-JP" altLang="en-US" sz="1600" dirty="0">
+                <a:solidFill>
+                  <a:srgbClr val="5F5F5F"/>
+                </a:solidFill>
+              </a:rPr>
+              <a:t>でも可</a:t>
+            </a:r>
+            <a:endParaRPr lang="en-US" altLang="ja-JP" sz="1600" dirty="0">
+              <a:solidFill>
+                <a:srgbClr val="5F5F5F"/>
+              </a:solidFill>
+            </a:endParaRPr>
           </a:p>
           <a:p>
             <a:pPr eaLnBrk="1" hangingPunct="1">

--- a/ppt/インストールの確認.pptx
+++ b/ppt/インストールの確認.pptx
@@ -6355,7 +6355,7 @@
           <a:graphicData uri="http://schemas.openxmlformats.org/presentationml/2006/ole">
             <mc:AlternateContent xmlns:mc="http://schemas.openxmlformats.org/markup-compatibility/2006">
               <mc:Choice xmlns:v="urn:schemas-microsoft-com:vml" Requires="v">
-                <p:oleObj spid="_x0000_s1435" name="Corel DESIGNER" r:id="rId18" imgW="2743200" imgH="1536480" progId="Corel DESIGNER.Graphic.10">
+                <p:oleObj spid="_x0000_s1437" name="Corel DESIGNER" r:id="rId18" imgW="2743200" imgH="1536480" progId="Corel DESIGNER.Graphic.10">
                   <p:embed/>
                 </p:oleObj>
               </mc:Choice>
@@ -6881,12 +6881,20 @@
           <a:p>
             <a:pPr algn="l" eaLnBrk="1" hangingPunct="1"/>
             <a:r>
+              <a:rPr lang="ja-JP" altLang="en-US" b="1" dirty="0">
+                <a:solidFill>
+                  <a:srgbClr val="5F5F5F"/>
+                </a:solidFill>
+              </a:rPr>
+              <a:t>インストール</a:t>
+            </a:r>
+            <a:r>
               <a:rPr lang="ja-JP" altLang="en-US" sz="3600" b="1" dirty="0">
                 <a:solidFill>
                   <a:srgbClr val="5F5F5F"/>
                 </a:solidFill>
               </a:rPr>
-              <a:t>インストールの確認</a:t>
+              <a:t>の確認</a:t>
             </a:r>
             <a:endParaRPr lang="ja-JP" altLang="en-US" sz="3600" dirty="0">
               <a:solidFill>
@@ -7528,7 +7536,7 @@
                   <a:srgbClr val="5F5F5F"/>
                 </a:solidFill>
               </a:rPr>
-              <a:t>OpenRTM-aist-2.0.0-RC220404_x86_64.msi</a:t>
+              <a:t>OpenRTM-aist-2.0.0-RELEASE_x86_64.msi</a:t>
             </a:r>
           </a:p>
           <a:p>
@@ -8366,20 +8374,12 @@
               <a:t>sh</a:t>
             </a:r>
             <a:r>
-              <a:rPr lang="en-US" altLang="ja-JP" sz="1200">
-                <a:solidFill>
-                  <a:srgbClr val="5F5F5F"/>
-                </a:solidFill>
-              </a:rPr>
-              <a:t> pkg</a:t>
-            </a:r>
-            <a:r>
               <a:rPr lang="en-US" altLang="ja-JP" sz="1200" dirty="0">
                 <a:solidFill>
                   <a:srgbClr val="5F5F5F"/>
                 </a:solidFill>
               </a:rPr>
-              <a:t>_install_ubuntu.sh -l all --</a:t>
+              <a:t> pkg_install_ubuntu.sh -l all --</a:t>
             </a:r>
             <a:r>
               <a:rPr lang="en-US" altLang="ja-JP" sz="1400" dirty="0">

--- a/ppt/インストールの確認.pptx
+++ b/ppt/インストールの確認.pptx
@@ -5930,7 +5930,7 @@
           <p:nvPr/>
         </p:nvPicPr>
         <p:blipFill>
-          <a:blip r:embed="rId16">
+          <a:blip r:embed="rId15">
             <a:extLst>
               <a:ext uri="{28A0092B-C50C-407E-A947-70E740481C1C}">
                 <a14:useLocalDpi xmlns:a14="http://schemas.microsoft.com/office/drawing/2010/main" val="0"/>
@@ -6225,7 +6225,7 @@
           <p:nvPr/>
         </p:nvPicPr>
         <p:blipFill>
-          <a:blip r:embed="rId17">
+          <a:blip r:embed="rId16">
             <a:extLst>
               <a:ext uri="{28A0092B-C50C-407E-A947-70E740481C1C}">
                 <a14:useLocalDpi xmlns:a14="http://schemas.microsoft.com/office/drawing/2010/main" val="0"/>
@@ -6355,12 +6355,12 @@
           <a:graphicData uri="http://schemas.openxmlformats.org/presentationml/2006/ole">
             <mc:AlternateContent xmlns:mc="http://schemas.openxmlformats.org/markup-compatibility/2006">
               <mc:Choice xmlns:v="urn:schemas-microsoft-com:vml" Requires="v">
-                <p:oleObj spid="_x0000_s1437" name="Corel DESIGNER" r:id="rId18" imgW="2743200" imgH="1536480" progId="Corel DESIGNER.Graphic.10">
+                <p:oleObj name="Corel DESIGNER" r:id="rId17" imgW="2743200" imgH="1536480" progId="Corel DESIGNER.Graphic.10">
                   <p:embed/>
                 </p:oleObj>
               </mc:Choice>
               <mc:Fallback>
-                <p:oleObj name="Corel DESIGNER" r:id="rId18" imgW="2743200" imgH="1536480" progId="Corel DESIGNER.Graphic.10">
+                <p:oleObj name="Corel DESIGNER" r:id="rId17" imgW="2743200" imgH="1536480" progId="Corel DESIGNER.Graphic.10">
                   <p:embed/>
                   <p:pic>
                     <p:nvPicPr>
@@ -6371,7 +6371,7 @@
                       <p:nvPr/>
                     </p:nvPicPr>
                     <p:blipFill>
-                      <a:blip r:embed="rId19">
+                      <a:blip r:embed="rId18">
                         <a:extLst>
                           <a:ext uri="{28A0092B-C50C-407E-A947-70E740481C1C}">
                             <a14:useLocalDpi xmlns:a14="http://schemas.microsoft.com/office/drawing/2010/main" val="0"/>
@@ -7536,7 +7536,7 @@
                   <a:srgbClr val="5F5F5F"/>
                 </a:solidFill>
               </a:rPr>
-              <a:t>OpenRTM-aist-2.0.0-RELEASE_x86_64.msi</a:t>
+              <a:t>OpenRTM-aist-2.0.1-RELEASE_x86_64.msi</a:t>
             </a:r>
           </a:p>
           <a:p>
@@ -7608,7 +7608,7 @@
                   <a:srgbClr val="5F5F5F"/>
                 </a:solidFill>
               </a:rPr>
-              <a:t>python-3.10.4-amd64.exe</a:t>
+              <a:t>python-3.10.11-amd64.exe</a:t>
             </a:r>
           </a:p>
           <a:p>
@@ -7645,7 +7645,7 @@
                   <a:srgbClr val="5F5F5F"/>
                 </a:solidFill>
               </a:rPr>
-              <a:t>cmake-3.23.2-windows-x86_64.msi</a:t>
+              <a:t>cmake-3.26.3-windows-x86_64.msi</a:t>
             </a:r>
           </a:p>
           <a:p>
@@ -7677,7 +7677,7 @@
                   <a:srgbClr val="5F5F5F"/>
                 </a:solidFill>
               </a:rPr>
-              <a:t>Visual Studio 2019</a:t>
+              <a:t>Visual Studio 2022</a:t>
             </a:r>
           </a:p>
           <a:p>
@@ -7741,7 +7741,7 @@
                   <a:srgbClr val="5F5F5F"/>
                 </a:solidFill>
               </a:rPr>
-              <a:t>2022</a:t>
+              <a:t>2019</a:t>
             </a:r>
             <a:r>
               <a:rPr lang="ja-JP" altLang="en-US" sz="1600" dirty="0">
@@ -8319,21 +8319,38 @@
               <a:t>$ </a:t>
             </a:r>
             <a:r>
-              <a:rPr lang="en-US" altLang="ja-JP" sz="1200" dirty="0" err="1">
-                <a:solidFill>
-                  <a:srgbClr val="5F5F5F"/>
-                </a:solidFill>
-              </a:rPr>
-              <a:t>wget</a:t>
-            </a:r>
-            <a:r>
-              <a:rPr lang="en-US" altLang="ja-JP" sz="1200" dirty="0">
-                <a:solidFill>
-                  <a:srgbClr val="5F5F5F"/>
-                </a:solidFill>
-              </a:rPr>
-              <a:t> https://raw.githubusercontent.com/OpenRTM/OpenRTM-aist/master/scripts/pkg_install_ubuntu.sh</a:t>
-            </a:r>
+              <a:rPr lang="en-US" altLang="ja-JP" sz="1100" dirty="0">
+                <a:solidFill>
+                  <a:srgbClr val="5F5F5F"/>
+                </a:solidFill>
+              </a:rPr>
+              <a:t>bash &lt;(curl -s https://raw.githubusercontent.com/OpenRTM/OpenRTM-aist/master/scripts/openrtm2_install_ubuntu.sh)</a:t>
+            </a:r>
+            <a:endParaRPr lang="en-US" altLang="ja-JP" sz="1200" dirty="0">
+              <a:solidFill>
+                <a:srgbClr val="5F5F5F"/>
+              </a:solidFill>
+            </a:endParaRPr>
+          </a:p>
+          <a:p>
+            <a:pPr eaLnBrk="1" hangingPunct="1">
+              <a:lnSpc>
+                <a:spcPct val="80000"/>
+              </a:lnSpc>
+            </a:pPr>
+            <a:r>
+              <a:rPr lang="en-US" altLang="ja-JP" sz="1800" dirty="0" err="1">
+                <a:solidFill>
+                  <a:srgbClr val="5F5F5F"/>
+                </a:solidFill>
+              </a:rPr>
+              <a:t>CMake</a:t>
+            </a:r>
+            <a:endParaRPr lang="en-US" altLang="ja-JP" sz="1800" dirty="0">
+              <a:solidFill>
+                <a:srgbClr val="5F5F5F"/>
+              </a:solidFill>
+            </a:endParaRPr>
           </a:p>
           <a:p>
             <a:pPr lvl="1" eaLnBrk="1" hangingPunct="1">
@@ -8363,6 +8380,22 @@
                   <a:srgbClr val="5F5F5F"/>
                 </a:solidFill>
               </a:rPr>
+              <a:t> apt-get install </a:t>
+            </a:r>
+            <a:r>
+              <a:rPr lang="en-US" altLang="ja-JP" sz="1200" dirty="0" err="1">
+                <a:solidFill>
+                  <a:srgbClr val="5F5F5F"/>
+                </a:solidFill>
+              </a:rPr>
+              <a:t>cmake</a:t>
+            </a:r>
+            <a:r>
+              <a:rPr lang="en-US" altLang="ja-JP" sz="1200" dirty="0">
+                <a:solidFill>
+                  <a:srgbClr val="5F5F5F"/>
+                </a:solidFill>
+              </a:rPr>
               <a:t> </a:t>
             </a:r>
             <a:r>
@@ -8371,24 +8404,13 @@
                   <a:srgbClr val="5F5F5F"/>
                 </a:solidFill>
               </a:rPr>
-              <a:t>sh</a:t>
-            </a:r>
-            <a:r>
-              <a:rPr lang="en-US" altLang="ja-JP" sz="1200" dirty="0">
-                <a:solidFill>
-                  <a:srgbClr val="5F5F5F"/>
-                </a:solidFill>
-              </a:rPr>
-              <a:t> pkg_install_ubuntu.sh -l all --</a:t>
-            </a:r>
-            <a:r>
-              <a:rPr lang="en-US" altLang="ja-JP" sz="1400" dirty="0">
-                <a:solidFill>
-                  <a:srgbClr val="5F5F5F"/>
-                </a:solidFill>
-              </a:rPr>
-              <a:t>yes</a:t>
-            </a:r>
+              <a:t>cmake-gui</a:t>
+            </a:r>
+            <a:endParaRPr lang="en-US" altLang="ja-JP" sz="1200" dirty="0">
+              <a:solidFill>
+                <a:srgbClr val="5F5F5F"/>
+              </a:solidFill>
+            </a:endParaRPr>
           </a:p>
           <a:p>
             <a:pPr eaLnBrk="1" hangingPunct="1">
@@ -8402,7 +8424,7 @@
                   <a:srgbClr val="5F5F5F"/>
                 </a:solidFill>
               </a:rPr>
-              <a:t>CMake</a:t>
+              <a:t>Doxygen</a:t>
             </a:r>
             <a:endParaRPr lang="en-US" altLang="ja-JP" sz="1800" dirty="0">
               <a:solidFill>
@@ -8446,23 +8468,7 @@
                   <a:srgbClr val="5F5F5F"/>
                 </a:solidFill>
               </a:rPr>
-              <a:t>cmake</a:t>
-            </a:r>
-            <a:r>
-              <a:rPr lang="en-US" altLang="ja-JP" sz="1200" dirty="0">
-                <a:solidFill>
-                  <a:srgbClr val="5F5F5F"/>
-                </a:solidFill>
-              </a:rPr>
-              <a:t> </a:t>
-            </a:r>
-            <a:r>
-              <a:rPr lang="en-US" altLang="ja-JP" sz="1200" dirty="0" err="1">
-                <a:solidFill>
-                  <a:srgbClr val="5F5F5F"/>
-                </a:solidFill>
-              </a:rPr>
-              <a:t>cmake-gui</a:t>
+              <a:t>doxygen</a:t>
             </a:r>
             <a:endParaRPr lang="en-US" altLang="ja-JP" sz="1200" dirty="0">
               <a:solidFill>
@@ -8477,18 +8483,13 @@
               </a:lnSpc>
             </a:pPr>
             <a:r>
-              <a:rPr lang="en-US" altLang="ja-JP" sz="1800" dirty="0" err="1">
-                <a:solidFill>
-                  <a:srgbClr val="5F5F5F"/>
-                </a:solidFill>
-              </a:rPr>
-              <a:t>Doxygen</a:t>
-            </a:r>
-            <a:endParaRPr lang="en-US" altLang="ja-JP" sz="1800" dirty="0">
-              <a:solidFill>
-                <a:srgbClr val="5F5F5F"/>
-              </a:solidFill>
-            </a:endParaRPr>
+              <a:rPr lang="en-US" altLang="ja-JP" sz="1800" dirty="0">
+                <a:solidFill>
+                  <a:srgbClr val="5F5F5F"/>
+                </a:solidFill>
+              </a:rPr>
+              <a:t>Java</a:t>
+            </a:r>
           </a:p>
           <a:p>
             <a:pPr lvl="1" eaLnBrk="1" hangingPunct="1">
@@ -8518,6 +8519,68 @@
                   <a:srgbClr val="5F5F5F"/>
                 </a:solidFill>
               </a:rPr>
+              <a:t> apt-get install openjdk-8-jdk</a:t>
+            </a:r>
+          </a:p>
+          <a:p>
+            <a:pPr eaLnBrk="1" hangingPunct="1">
+              <a:lnSpc>
+                <a:spcPct val="80000"/>
+              </a:lnSpc>
+            </a:pPr>
+            <a:r>
+              <a:rPr lang="en-US" altLang="ja-JP" sz="1800" dirty="0">
+                <a:solidFill>
+                  <a:srgbClr val="5F5F5F"/>
+                </a:solidFill>
+              </a:rPr>
+              <a:t>Code::Blocks(</a:t>
+            </a:r>
+            <a:r>
+              <a:rPr lang="ja-JP" altLang="en-US" sz="1800" dirty="0">
+                <a:solidFill>
+                  <a:srgbClr val="5F5F5F"/>
+                </a:solidFill>
+              </a:rPr>
+              <a:t>任意</a:t>
+            </a:r>
+            <a:r>
+              <a:rPr lang="en-US" altLang="ja-JP" sz="1800" dirty="0">
+                <a:solidFill>
+                  <a:srgbClr val="5F5F5F"/>
+                </a:solidFill>
+              </a:rPr>
+              <a:t>)</a:t>
+            </a:r>
+          </a:p>
+          <a:p>
+            <a:pPr lvl="1" eaLnBrk="1" hangingPunct="1">
+              <a:lnSpc>
+                <a:spcPct val="80000"/>
+              </a:lnSpc>
+            </a:pPr>
+            <a:r>
+              <a:rPr lang="en-US" altLang="ja-JP" sz="1200" dirty="0">
+                <a:solidFill>
+                  <a:srgbClr val="5F5F5F"/>
+                </a:solidFill>
+              </a:rPr>
+              <a:t>$ </a:t>
+            </a:r>
+            <a:r>
+              <a:rPr lang="en-US" altLang="ja-JP" sz="1200" dirty="0" err="1">
+                <a:solidFill>
+                  <a:srgbClr val="5F5F5F"/>
+                </a:solidFill>
+              </a:rPr>
+              <a:t>sudo</a:t>
+            </a:r>
+            <a:r>
+              <a:rPr lang="en-US" altLang="ja-JP" sz="1200" dirty="0">
+                <a:solidFill>
+                  <a:srgbClr val="5F5F5F"/>
+                </a:solidFill>
+              </a:rPr>
               <a:t> apt-get install </a:t>
             </a:r>
             <a:r>
@@ -8526,7 +8589,7 @@
                   <a:srgbClr val="5F5F5F"/>
                 </a:solidFill>
               </a:rPr>
-              <a:t>doxygen</a:t>
+              <a:t>codeblocks</a:t>
             </a:r>
             <a:endParaRPr lang="en-US" altLang="ja-JP" sz="1200" dirty="0">
               <a:solidFill>
@@ -8541,135 +8604,14 @@
               </a:lnSpc>
             </a:pPr>
             <a:r>
-              <a:rPr lang="en-US" altLang="ja-JP" sz="1800" dirty="0">
-                <a:solidFill>
-                  <a:srgbClr val="5F5F5F"/>
-                </a:solidFill>
-              </a:rPr>
-              <a:t>Java</a:t>
-            </a:r>
-          </a:p>
-          <a:p>
-            <a:pPr lvl="1" eaLnBrk="1" hangingPunct="1">
-              <a:lnSpc>
-                <a:spcPct val="80000"/>
-              </a:lnSpc>
-            </a:pPr>
-            <a:r>
-              <a:rPr lang="en-US" altLang="ja-JP" sz="1200" dirty="0">
-                <a:solidFill>
-                  <a:srgbClr val="5F5F5F"/>
-                </a:solidFill>
-              </a:rPr>
-              <a:t>$ </a:t>
-            </a:r>
-            <a:r>
-              <a:rPr lang="en-US" altLang="ja-JP" sz="1200" dirty="0" err="1">
-                <a:solidFill>
-                  <a:srgbClr val="5F5F5F"/>
-                </a:solidFill>
-              </a:rPr>
-              <a:t>sudo</a:t>
-            </a:r>
-            <a:r>
-              <a:rPr lang="en-US" altLang="ja-JP" sz="1200" dirty="0">
-                <a:solidFill>
-                  <a:srgbClr val="5F5F5F"/>
-                </a:solidFill>
-              </a:rPr>
-              <a:t> apt-get install openjdk-8-jdk</a:t>
-            </a:r>
-          </a:p>
-          <a:p>
-            <a:pPr eaLnBrk="1" hangingPunct="1">
-              <a:lnSpc>
-                <a:spcPct val="80000"/>
-              </a:lnSpc>
-            </a:pPr>
-            <a:r>
-              <a:rPr lang="en-US" altLang="ja-JP" sz="1800" dirty="0">
-                <a:solidFill>
-                  <a:srgbClr val="5F5F5F"/>
-                </a:solidFill>
-              </a:rPr>
-              <a:t>Code::Blocks(</a:t>
-            </a:r>
-            <a:r>
-              <a:rPr lang="ja-JP" altLang="en-US" sz="1800" dirty="0">
-                <a:solidFill>
-                  <a:srgbClr val="5F5F5F"/>
-                </a:solidFill>
-              </a:rPr>
-              <a:t>任意</a:t>
-            </a:r>
-            <a:r>
-              <a:rPr lang="en-US" altLang="ja-JP" sz="1800" dirty="0">
-                <a:solidFill>
-                  <a:srgbClr val="5F5F5F"/>
-                </a:solidFill>
-              </a:rPr>
-              <a:t>)</a:t>
-            </a:r>
-          </a:p>
-          <a:p>
-            <a:pPr lvl="1" eaLnBrk="1" hangingPunct="1">
-              <a:lnSpc>
-                <a:spcPct val="80000"/>
-              </a:lnSpc>
-            </a:pPr>
-            <a:r>
-              <a:rPr lang="en-US" altLang="ja-JP" sz="1200" dirty="0">
-                <a:solidFill>
-                  <a:srgbClr val="5F5F5F"/>
-                </a:solidFill>
-              </a:rPr>
-              <a:t>$ </a:t>
-            </a:r>
-            <a:r>
-              <a:rPr lang="en-US" altLang="ja-JP" sz="1200" dirty="0" err="1">
-                <a:solidFill>
-                  <a:srgbClr val="5F5F5F"/>
-                </a:solidFill>
-              </a:rPr>
-              <a:t>sudo</a:t>
-            </a:r>
-            <a:r>
-              <a:rPr lang="en-US" altLang="ja-JP" sz="1200" dirty="0">
-                <a:solidFill>
-                  <a:srgbClr val="5F5F5F"/>
-                </a:solidFill>
-              </a:rPr>
-              <a:t> apt-get install </a:t>
-            </a:r>
-            <a:r>
-              <a:rPr lang="en-US" altLang="ja-JP" sz="1200" dirty="0" err="1">
-                <a:solidFill>
-                  <a:srgbClr val="5F5F5F"/>
-                </a:solidFill>
-              </a:rPr>
-              <a:t>codeblocks</a:t>
-            </a:r>
-            <a:endParaRPr lang="en-US" altLang="ja-JP" sz="1200" dirty="0">
-              <a:solidFill>
-                <a:srgbClr val="5F5F5F"/>
-              </a:solidFill>
-            </a:endParaRPr>
-          </a:p>
-          <a:p>
-            <a:pPr eaLnBrk="1" hangingPunct="1">
-              <a:lnSpc>
-                <a:spcPct val="80000"/>
-              </a:lnSpc>
-            </a:pPr>
-            <a:r>
-              <a:rPr lang="en-US" altLang="ja-JP" sz="1600" dirty="0" err="1">
+              <a:rPr lang="en-US" altLang="ja-JP" sz="1800" dirty="0" err="1">
                 <a:solidFill>
                   <a:srgbClr val="5F5F5F"/>
                 </a:solidFill>
               </a:rPr>
               <a:t>RaspberryPiMouseSimulatorComp</a:t>
             </a:r>
-            <a:endParaRPr lang="en-US" altLang="ja-JP" sz="1600" dirty="0">
+            <a:endParaRPr lang="en-US" altLang="ja-JP" sz="1800" dirty="0">
               <a:solidFill>
                 <a:srgbClr val="5F5F5F"/>
               </a:solidFill>
@@ -8803,6 +8745,126 @@
               </a:rPr>
               <a:t>(Ubuntu)</a:t>
             </a:r>
+          </a:p>
+        </p:txBody>
+      </p:sp>
+      <p:sp>
+        <p:nvSpPr>
+          <p:cNvPr id="2" name="Rectangle 1">
+            <a:extLst>
+              <a:ext uri="{FF2B5EF4-FFF2-40B4-BE49-F238E27FC236}">
+                <a16:creationId xmlns:a16="http://schemas.microsoft.com/office/drawing/2014/main" id="{A644F5D4-D250-4593-2841-12435E71A49E}"/>
+              </a:ext>
+            </a:extLst>
+          </p:cNvPr>
+          <p:cNvSpPr>
+            <a:spLocks noChangeArrowheads="1"/>
+          </p:cNvSpPr>
+          <p:nvPr/>
+        </p:nvSpPr>
+        <p:spPr bwMode="auto">
+          <a:xfrm>
+            <a:off x="0" y="0"/>
+            <a:ext cx="9144000" cy="457200"/>
+          </a:xfrm>
+          <a:prstGeom prst="rect">
+            <a:avLst/>
+          </a:prstGeom>
+          <a:noFill/>
+          <a:ln>
+            <a:noFill/>
+          </a:ln>
+          <a:effectLst/>
+          <a:extLst>
+            <a:ext uri="{909E8E84-426E-40DD-AFC4-6F175D3DCCD1}">
+              <a14:hiddenFill xmlns:a14="http://schemas.microsoft.com/office/drawing/2010/main">
+                <a:solidFill>
+                  <a:schemeClr val="accent1"/>
+                </a:solidFill>
+              </a14:hiddenFill>
+            </a:ext>
+            <a:ext uri="{91240B29-F687-4F45-9708-019B960494DF}">
+              <a14:hiddenLine xmlns:a14="http://schemas.microsoft.com/office/drawing/2010/main" w="9525">
+                <a:solidFill>
+                  <a:schemeClr val="tx1"/>
+                </a:solidFill>
+                <a:miter lim="800000"/>
+                <a:headEnd/>
+                <a:tailEnd/>
+              </a14:hiddenLine>
+            </a:ext>
+            <a:ext uri="{AF507438-7753-43E0-B8FC-AC1667EBCBE1}">
+              <a14:hiddenEffects xmlns:a14="http://schemas.microsoft.com/office/drawing/2010/main">
+                <a:effectLst>
+                  <a:outerShdw dist="35921" dir="2700000" algn="ctr" rotWithShape="0">
+                    <a:schemeClr val="bg2"/>
+                  </a:outerShdw>
+                </a:effectLst>
+              </a14:hiddenEffects>
+            </a:ext>
+          </a:extLst>
+        </p:spPr>
+        <p:txBody>
+          <a:bodyPr vert="horz" wrap="none" lIns="0" tIns="0" rIns="0" bIns="0" numCol="1" anchor="ctr" anchorCtr="0" compatLnSpc="1">
+            <a:prstTxWarp prst="textNoShape">
+              <a:avLst/>
+            </a:prstTxWarp>
+            <a:spAutoFit/>
+          </a:bodyPr>
+          <a:lstStyle/>
+          <a:p>
+            <a:pPr marL="0" marR="0" lvl="0" indent="0" algn="just" defTabSz="914400" rtl="0" eaLnBrk="0" fontAlgn="base" latinLnBrk="0" hangingPunct="0">
+              <a:lnSpc>
+                <a:spcPct val="100000"/>
+              </a:lnSpc>
+              <a:spcBef>
+                <a:spcPct val="0"/>
+              </a:spcBef>
+              <a:spcAft>
+                <a:spcPct val="0"/>
+              </a:spcAft>
+              <a:buClrTx/>
+              <a:buSzTx/>
+              <a:buFontTx/>
+              <a:buNone/>
+              <a:tabLst/>
+            </a:pPr>
+            <a:r>
+              <a:rPr kumimoji="0" lang="ja-JP" altLang="ja-JP" sz="1300" b="0" i="0" u="none" strike="noStrike" cap="none" normalizeH="0" baseline="0">
+                <a:ln>
+                  <a:noFill/>
+                </a:ln>
+                <a:solidFill>
+                  <a:srgbClr val="000000"/>
+                </a:solidFill>
+                <a:effectLst/>
+                <a:latin typeface="Arial Unicode MS"/>
+                <a:ea typeface="ヒラギノ角ゴ Pro W3"/>
+              </a:rPr>
+              <a:t>bash &lt;(curl -s https://raw.githubusercontent.com/OpenRTM/OpenRTM-aist/master/scripts/openrtm2_install_ubuntu.sh)</a:t>
+            </a:r>
+            <a:r>
+              <a:rPr kumimoji="0" lang="ja-JP" altLang="ja-JP" sz="600" b="0" i="0" u="none" strike="noStrike" cap="none" normalizeH="0" baseline="0">
+                <a:ln>
+                  <a:noFill/>
+                </a:ln>
+                <a:solidFill>
+                  <a:schemeClr val="tx1"/>
+                </a:solidFill>
+                <a:effectLst/>
+              </a:rPr>
+              <a:t> </a:t>
+            </a:r>
+            <a:endParaRPr kumimoji="0" lang="ja-JP" altLang="ja-JP" sz="1800" b="0" i="0" u="none" strike="noStrike" cap="none" normalizeH="0" baseline="0">
+              <a:ln>
+                <a:noFill/>
+              </a:ln>
+              <a:solidFill>
+                <a:schemeClr val="tx1"/>
+              </a:solidFill>
+              <a:effectLst/>
+              <a:latin typeface="Arial" panose="020B0604020202020204" pitchFamily="34" charset="0"/>
+            </a:endParaRPr>
           </a:p>
         </p:txBody>
       </p:sp>
@@ -9752,7 +9814,7 @@
                   <a:srgbClr val="5F5F5F"/>
                 </a:solidFill>
               </a:rPr>
-              <a:t>RT</a:t>
+              <a:t>Processing</a:t>
             </a:r>
             <a:r>
               <a:rPr lang="ja-JP" altLang="en-US" sz="1800" kern="0" dirty="0">
@@ -9760,7 +9822,7 @@
                   <a:srgbClr val="5F5F5F"/>
                 </a:solidFill>
               </a:rPr>
-              <a:t>システム構築実習</a:t>
+              <a:t>実習</a:t>
             </a:r>
             <a:endParaRPr lang="en-US" altLang="ja-JP" sz="1800" kern="0" dirty="0">
               <a:solidFill>
@@ -9769,34 +9831,6 @@
             </a:endParaRPr>
           </a:p>
           <a:p>
-            <a:pPr lvl="1" eaLnBrk="1" hangingPunct="1">
-              <a:lnSpc>
-                <a:spcPct val="80000"/>
-              </a:lnSpc>
-            </a:pPr>
-            <a:r>
-              <a:rPr lang="en-US" altLang="ja-JP" sz="1800" kern="0" dirty="0" err="1">
-                <a:solidFill>
-                  <a:srgbClr val="5F5F5F"/>
-                </a:solidFill>
-              </a:rPr>
-              <a:t>Choreonoid</a:t>
-            </a:r>
-            <a:r>
-              <a:rPr lang="ja-JP" altLang="en-US" sz="1800" kern="0" dirty="0">
-                <a:solidFill>
-                  <a:srgbClr val="5F5F5F"/>
-                </a:solidFill>
-              </a:rPr>
-              <a:t>入門</a:t>
-            </a:r>
-            <a:endParaRPr lang="en-US" altLang="ja-JP" sz="1800" kern="0" dirty="0">
-              <a:solidFill>
-                <a:srgbClr val="5F5F5F"/>
-              </a:solidFill>
-            </a:endParaRPr>
-          </a:p>
-          <a:p>
             <a:pPr eaLnBrk="1" hangingPunct="1">
               <a:lnSpc>
                 <a:spcPct val="80000"/>
@@ -9808,7 +9842,7 @@
                   <a:srgbClr val="5F5F5F"/>
                 </a:solidFill>
               </a:rPr>
-              <a:t>Installer(OpenRTM-aist-2.0.0</a:t>
+              <a:t>Installer(OpenRTM-aist-2.0.1</a:t>
             </a:r>
             <a:r>
               <a:rPr lang="ja-JP" altLang="en-US" sz="2400" kern="0" dirty="0">
@@ -10513,20 +10547,12 @@
               </a:lnSpc>
             </a:pPr>
             <a:r>
-              <a:rPr lang="en-US" altLang="ja-JP" sz="2400">
-                <a:solidFill>
-                  <a:srgbClr val="5F5F5F"/>
-                </a:solidFill>
-              </a:rPr>
-              <a:t>python-3.10.4-amd64</a:t>
-            </a:r>
-            <a:r>
               <a:rPr lang="en-US" altLang="ja-JP" sz="2400" dirty="0">
                 <a:solidFill>
                   <a:srgbClr val="5F5F5F"/>
                 </a:solidFill>
               </a:rPr>
-              <a:t>.exe</a:t>
+              <a:t>python-3.10.11-amd64.exe</a:t>
             </a:r>
           </a:p>
           <a:p>
@@ -10541,7 +10567,7 @@
                   <a:srgbClr val="5F5F5F"/>
                 </a:solidFill>
               </a:rPr>
-              <a:t>OpenRTM-aist-2.0.0-RC220404_x86_64.msi</a:t>
+              <a:t>OpenRTM-aist-2.0.1-RELEASE_x86_64.msi</a:t>
             </a:r>
           </a:p>
           <a:p>
@@ -10584,7 +10610,7 @@
                   <a:srgbClr val="5F5F5F"/>
                 </a:solidFill>
               </a:rPr>
-              <a:t>cmake-3.23.2-windows-x86_64.msi</a:t>
+              <a:t>cmake-3.26.3-windows-x86_64.msi</a:t>
             </a:r>
           </a:p>
           <a:p>
@@ -10599,7 +10625,7 @@
                   <a:srgbClr val="5F5F5F"/>
                 </a:solidFill>
               </a:rPr>
-              <a:t>vs_installer_2019/vs_community__2112361810.1542592799_2019.exe</a:t>
+              <a:t>vs_installer_2022/Japanese/VisualStudioSetup.exe</a:t>
             </a:r>
           </a:p>
           <a:p>
@@ -10622,7 +10648,23 @@
                   <a:srgbClr val="5F5F5F"/>
                 </a:solidFill>
               </a:rPr>
-              <a:t>のインストールは時間がかかるため、インストールが完了してなくても実習を開始します。</a:t>
+              <a:t>のインストールは時間がかかるため</a:t>
+            </a:r>
+            <a:r>
+              <a:rPr lang="ja-JP" altLang="en-US" sz="2000">
+                <a:solidFill>
+                  <a:srgbClr val="5F5F5F"/>
+                </a:solidFill>
+              </a:rPr>
+              <a:t>、インストール途中でも実習</a:t>
+            </a:r>
+            <a:r>
+              <a:rPr lang="ja-JP" altLang="en-US" sz="2000" dirty="0">
+                <a:solidFill>
+                  <a:srgbClr val="5F5F5F"/>
+                </a:solidFill>
+              </a:rPr>
+              <a:t>を開始します。</a:t>
             </a:r>
             <a:endParaRPr lang="en-US" altLang="ja-JP" sz="2000" dirty="0">
               <a:solidFill>

--- a/ppt/インストールの確認.pptx
+++ b/ppt/インストールの確認.pptx
@@ -6959,29 +6959,8 @@
                   <a:srgbClr val="5F5F5F"/>
                 </a:solidFill>
               </a:rPr>
-              <a:t>インダストリアル</a:t>
-            </a:r>
-            <a:r>
-              <a:rPr lang="en-US" altLang="ja-JP" sz="2000" dirty="0">
-                <a:solidFill>
-                  <a:srgbClr val="5F5F5F"/>
-                </a:solidFill>
-              </a:rPr>
-              <a:t>CPS</a:t>
-            </a:r>
-            <a:r>
-              <a:rPr lang="ja-JP" altLang="en-US" sz="2000">
-                <a:solidFill>
-                  <a:srgbClr val="5F5F5F"/>
-                </a:solidFill>
-              </a:rPr>
-              <a:t>研究センター</a:t>
-            </a:r>
-            <a:endParaRPr lang="ja-JP" altLang="en-US" sz="2000" dirty="0">
-              <a:solidFill>
-                <a:srgbClr val="5F5F5F"/>
-              </a:solidFill>
-            </a:endParaRPr>
+              <a:t>インテリジェントシステム研究部門</a:t>
+            </a:r>
           </a:p>
         </p:txBody>
       </p:sp>
@@ -7495,7 +7474,7 @@
         </p:nvSpPr>
         <p:spPr>
           <a:xfrm>
-            <a:off x="341530" y="1223963"/>
+            <a:off x="284341" y="1808820"/>
             <a:ext cx="8595955" cy="4410075"/>
           </a:xfrm>
         </p:spPr>
@@ -7536,7 +7515,7 @@
                   <a:srgbClr val="5F5F5F"/>
                 </a:solidFill>
               </a:rPr>
-              <a:t>OpenRTM-aist-2.0.1-RELEASE_x86_64.msi</a:t>
+              <a:t>OpenRTM-aist-2.1.0-RELEASE_x86_64.msi</a:t>
             </a:r>
           </a:p>
           <a:p>
@@ -7608,7 +7587,7 @@
                   <a:srgbClr val="5F5F5F"/>
                 </a:solidFill>
               </a:rPr>
-              <a:t>python-3.10.11-amd64.exe</a:t>
+              <a:t>python-3.11.13-amd64.exe</a:t>
             </a:r>
           </a:p>
           <a:p>
@@ -7645,8 +7624,53 @@
                   <a:srgbClr val="5F5F5F"/>
                 </a:solidFill>
               </a:rPr>
-              <a:t>cmake-3.26.3-windows-x86_64.msi</a:t>
-            </a:r>
+              <a:t>cmake-3.31.6-windows-x86_64.msi</a:t>
+            </a:r>
+          </a:p>
+          <a:p>
+            <a:pPr lvl="1" eaLnBrk="1" hangingPunct="1">
+              <a:lnSpc>
+                <a:spcPct val="80000"/>
+              </a:lnSpc>
+              <a:defRPr/>
+            </a:pPr>
+            <a:r>
+              <a:rPr lang="en-US" altLang="ja-JP" sz="1600" dirty="0">
+                <a:solidFill>
+                  <a:srgbClr val="5F5F5F"/>
+                </a:solidFill>
+              </a:rPr>
+              <a:t>※</a:t>
+            </a:r>
+            <a:r>
+              <a:rPr lang="en-US" altLang="ja-JP" sz="1600" dirty="0" err="1">
+                <a:solidFill>
+                  <a:srgbClr val="5F5F5F"/>
+                </a:solidFill>
+              </a:rPr>
+              <a:t>CMake</a:t>
+            </a:r>
+            <a:r>
+              <a:rPr lang="en-US" altLang="ja-JP" sz="1600" dirty="0">
+                <a:solidFill>
+                  <a:srgbClr val="5F5F5F"/>
+                </a:solidFill>
+              </a:rPr>
+              <a:t> 4.0.0</a:t>
+            </a:r>
+            <a:r>
+              <a:rPr lang="ja-JP" altLang="en-US" sz="1600" dirty="0">
+                <a:solidFill>
+                  <a:srgbClr val="5F5F5F"/>
+                </a:solidFill>
+              </a:rPr>
+              <a:t>は不可</a:t>
+            </a:r>
+            <a:endParaRPr lang="en-US" altLang="ja-JP" sz="1600" dirty="0">
+              <a:solidFill>
+                <a:srgbClr val="5F5F5F"/>
+              </a:solidFill>
+            </a:endParaRPr>
           </a:p>
           <a:p>
             <a:pPr eaLnBrk="1" hangingPunct="1">
@@ -7750,6 +7774,67 @@
                 </a:solidFill>
               </a:rPr>
               <a:t>でも可</a:t>
+            </a:r>
+            <a:endParaRPr lang="en-US" altLang="ja-JP" sz="1600" dirty="0">
+              <a:solidFill>
+                <a:srgbClr val="5F5F5F"/>
+              </a:solidFill>
+            </a:endParaRPr>
+          </a:p>
+          <a:p>
+            <a:pPr eaLnBrk="1" hangingPunct="1">
+              <a:lnSpc>
+                <a:spcPct val="80000"/>
+              </a:lnSpc>
+              <a:defRPr/>
+            </a:pPr>
+            <a:r>
+              <a:rPr lang="en-US" altLang="ja-JP" sz="2000" dirty="0">
+                <a:solidFill>
+                  <a:srgbClr val="5F5F5F"/>
+                </a:solidFill>
+              </a:rPr>
+              <a:t>Processing</a:t>
+            </a:r>
+          </a:p>
+          <a:p>
+            <a:pPr lvl="1" eaLnBrk="1" hangingPunct="1">
+              <a:lnSpc>
+                <a:spcPct val="80000"/>
+              </a:lnSpc>
+              <a:defRPr/>
+            </a:pPr>
+            <a:r>
+              <a:rPr lang="en-US" altLang="ja-JP" sz="1600" dirty="0">
+                <a:solidFill>
+                  <a:srgbClr val="5F5F5F"/>
+                </a:solidFill>
+              </a:rPr>
+              <a:t>processing-3.5.4-windows64.zip</a:t>
+            </a:r>
+          </a:p>
+          <a:p>
+            <a:pPr lvl="1" eaLnBrk="1" hangingPunct="1">
+              <a:lnSpc>
+                <a:spcPct val="80000"/>
+              </a:lnSpc>
+              <a:defRPr/>
+            </a:pPr>
+            <a:r>
+              <a:rPr lang="en-US" altLang="ja-JP" sz="1600" dirty="0">
+                <a:solidFill>
+                  <a:srgbClr val="5F5F5F"/>
+                </a:solidFill>
+              </a:rPr>
+              <a:t>※Processing 4.3.4</a:t>
+            </a:r>
+            <a:r>
+              <a:rPr lang="ja-JP" altLang="en-US" sz="1600" dirty="0">
+                <a:solidFill>
+                  <a:srgbClr val="5F5F5F"/>
+                </a:solidFill>
+              </a:rPr>
+              <a:t>は不可</a:t>
             </a:r>
             <a:endParaRPr lang="en-US" altLang="ja-JP" sz="1600" dirty="0">
               <a:solidFill>
@@ -8282,8 +8367,8 @@
         </p:nvSpPr>
         <p:spPr>
           <a:xfrm>
-            <a:off x="457200" y="1051793"/>
-            <a:ext cx="8539163" cy="5482552"/>
+            <a:off x="444561" y="1658415"/>
+            <a:ext cx="8539163" cy="4447437"/>
           </a:xfrm>
         </p:spPr>
         <p:txBody>
@@ -8529,28 +8614,12 @@
               </a:lnSpc>
             </a:pPr>
             <a:r>
-              <a:rPr lang="en-US" altLang="ja-JP" sz="1800" dirty="0">
-                <a:solidFill>
-                  <a:srgbClr val="5F5F5F"/>
-                </a:solidFill>
-              </a:rPr>
-              <a:t>Code::Blocks(</a:t>
-            </a:r>
-            <a:r>
-              <a:rPr lang="ja-JP" altLang="en-US" sz="1800" dirty="0">
-                <a:solidFill>
-                  <a:srgbClr val="5F5F5F"/>
-                </a:solidFill>
-              </a:rPr>
-              <a:t>任意</a:t>
-            </a:r>
-            <a:r>
-              <a:rPr lang="en-US" altLang="ja-JP" sz="1800" dirty="0">
-                <a:solidFill>
-                  <a:srgbClr val="5F5F5F"/>
-                </a:solidFill>
-              </a:rPr>
-              <a:t>)</a:t>
+              <a:rPr lang="en-US" altLang="ja-JP" sz="1600" dirty="0">
+                <a:solidFill>
+                  <a:srgbClr val="5F5F5F"/>
+                </a:solidFill>
+              </a:rPr>
+              <a:t>Processing</a:t>
             </a:r>
           </a:p>
           <a:p>
@@ -8568,28 +8637,41 @@
               <a:t>$ </a:t>
             </a:r>
             <a:r>
-              <a:rPr lang="en-US" altLang="ja-JP" sz="1200" dirty="0" err="1">
-                <a:solidFill>
-                  <a:srgbClr val="5F5F5F"/>
-                </a:solidFill>
-              </a:rPr>
-              <a:t>sudo</a:t>
-            </a:r>
-            <a:r>
-              <a:rPr lang="en-US" altLang="ja-JP" sz="1200" dirty="0">
-                <a:solidFill>
-                  <a:srgbClr val="5F5F5F"/>
-                </a:solidFill>
-              </a:rPr>
-              <a:t> apt-get install </a:t>
-            </a:r>
-            <a:r>
-              <a:rPr lang="en-US" altLang="ja-JP" sz="1200" dirty="0" err="1">
-                <a:solidFill>
-                  <a:srgbClr val="5F5F5F"/>
-                </a:solidFill>
-              </a:rPr>
-              <a:t>codeblocks</a:t>
+              <a:rPr lang="da-DK" altLang="ja-JP" sz="1200" dirty="0">
+                <a:solidFill>
+                  <a:srgbClr val="5F5F5F"/>
+                </a:solidFill>
+              </a:rPr>
+              <a:t>wget </a:t>
+            </a:r>
+            <a:r>
+              <a:rPr lang="da-DK" altLang="ja-JP" sz="1200" dirty="0">
+                <a:solidFill>
+                  <a:srgbClr val="5F5F5F"/>
+                </a:solidFill>
+                <a:hlinkClick r:id="rId3"/>
+              </a:rPr>
+              <a:t>https://github.com/processing/processing/releases/download/processing-0270-3.5.4/processing-3.5.4-linux64.tgz</a:t>
+            </a:r>
+            <a:endParaRPr lang="da-DK" altLang="ja-JP" sz="1200" dirty="0">
+              <a:solidFill>
+                <a:srgbClr val="5F5F5F"/>
+              </a:solidFill>
+            </a:endParaRPr>
+          </a:p>
+          <a:p>
+            <a:pPr lvl="1" eaLnBrk="1" hangingPunct="1">
+              <a:lnSpc>
+                <a:spcPct val="80000"/>
+              </a:lnSpc>
+            </a:pPr>
+            <a:r>
+              <a:rPr lang="da-DK" altLang="ja-JP" sz="1200" dirty="0">
+                <a:solidFill>
+                  <a:srgbClr val="5F5F5F"/>
+                </a:solidFill>
+              </a:rPr>
+              <a:t>$ tar xf processing-3.5.4-linux64.tgz</a:t>
             </a:r>
             <a:endParaRPr lang="en-US" altLang="ja-JP" sz="1200" dirty="0">
               <a:solidFill>
@@ -8604,6 +8686,81 @@
               </a:lnSpc>
             </a:pPr>
             <a:r>
+              <a:rPr lang="en-US" altLang="ja-JP" sz="1800" dirty="0">
+                <a:solidFill>
+                  <a:srgbClr val="5F5F5F"/>
+                </a:solidFill>
+              </a:rPr>
+              <a:t>Code::Blocks(</a:t>
+            </a:r>
+            <a:r>
+              <a:rPr lang="ja-JP" altLang="en-US" sz="1800" dirty="0">
+                <a:solidFill>
+                  <a:srgbClr val="5F5F5F"/>
+                </a:solidFill>
+              </a:rPr>
+              <a:t>任意</a:t>
+            </a:r>
+            <a:r>
+              <a:rPr lang="en-US" altLang="ja-JP" sz="1800" dirty="0">
+                <a:solidFill>
+                  <a:srgbClr val="5F5F5F"/>
+                </a:solidFill>
+              </a:rPr>
+              <a:t>)</a:t>
+            </a:r>
+          </a:p>
+          <a:p>
+            <a:pPr lvl="1" eaLnBrk="1" hangingPunct="1">
+              <a:lnSpc>
+                <a:spcPct val="80000"/>
+              </a:lnSpc>
+            </a:pPr>
+            <a:r>
+              <a:rPr lang="en-US" altLang="ja-JP" sz="1200" dirty="0">
+                <a:solidFill>
+                  <a:srgbClr val="5F5F5F"/>
+                </a:solidFill>
+              </a:rPr>
+              <a:t>$ </a:t>
+            </a:r>
+            <a:r>
+              <a:rPr lang="en-US" altLang="ja-JP" sz="1200" dirty="0" err="1">
+                <a:solidFill>
+                  <a:srgbClr val="5F5F5F"/>
+                </a:solidFill>
+              </a:rPr>
+              <a:t>sudo</a:t>
+            </a:r>
+            <a:r>
+              <a:rPr lang="en-US" altLang="ja-JP" sz="1200" dirty="0">
+                <a:solidFill>
+                  <a:srgbClr val="5F5F5F"/>
+                </a:solidFill>
+              </a:rPr>
+              <a:t> apt-get install </a:t>
+            </a:r>
+            <a:r>
+              <a:rPr lang="en-US" altLang="ja-JP" sz="1200" dirty="0" err="1">
+                <a:solidFill>
+                  <a:srgbClr val="5F5F5F"/>
+                </a:solidFill>
+              </a:rPr>
+              <a:t>codeblocks</a:t>
+            </a:r>
+            <a:endParaRPr lang="en-US" altLang="ja-JP" sz="1200" dirty="0">
+              <a:solidFill>
+                <a:srgbClr val="5F5F5F"/>
+              </a:solidFill>
+            </a:endParaRPr>
+          </a:p>
+          <a:p>
+            <a:pPr eaLnBrk="1" hangingPunct="1">
+              <a:lnSpc>
+                <a:spcPct val="80000"/>
+              </a:lnSpc>
+            </a:pPr>
+            <a:r>
               <a:rPr lang="en-US" altLang="ja-JP" sz="1800" dirty="0" err="1">
                 <a:solidFill>
                   <a:srgbClr val="5F5F5F"/>
@@ -8667,7 +8824,7 @@
                 <a:solidFill>
                   <a:srgbClr val="5F5F5F"/>
                 </a:solidFill>
-                <a:hlinkClick r:id="rId3"/>
+                <a:hlinkClick r:id="rId4"/>
               </a:rPr>
               <a:t>https://raw.githubusercontent.com/OpenRTM/RTM_Tutorial/master/script/install_raspimouse_simulator.sh</a:t>
             </a:r>
@@ -9591,6 +9748,22 @@
                   <a:srgbClr val="5F5F5F"/>
                 </a:solidFill>
               </a:rPr>
+              <a:t>1</a:t>
+            </a:r>
+            <a:r>
+              <a:rPr lang="ja-JP" altLang="en-US" sz="1800" kern="0" dirty="0">
+                <a:solidFill>
+                  <a:srgbClr val="5F5F5F"/>
+                </a:solidFill>
+              </a:rPr>
+              <a:t>部、第</a:t>
+            </a:r>
+            <a:r>
+              <a:rPr lang="en-US" altLang="ja-JP" sz="1800" kern="0" dirty="0">
+                <a:solidFill>
+                  <a:srgbClr val="5F5F5F"/>
+                </a:solidFill>
+              </a:rPr>
               <a:t>2</a:t>
             </a:r>
             <a:r>
@@ -9624,22 +9797,6 @@
                 </a:solidFill>
               </a:rPr>
               <a:t>4</a:t>
-            </a:r>
-            <a:r>
-              <a:rPr lang="ja-JP" altLang="en-US" sz="1800" kern="0" dirty="0">
-                <a:solidFill>
-                  <a:srgbClr val="5F5F5F"/>
-                </a:solidFill>
-              </a:rPr>
-              <a:t>部、第</a:t>
-            </a:r>
-            <a:r>
-              <a:rPr lang="en-US" altLang="ja-JP" sz="1800" kern="0" dirty="0">
-                <a:solidFill>
-                  <a:srgbClr val="5F5F5F"/>
-                </a:solidFill>
-              </a:rPr>
-              <a:t>5</a:t>
             </a:r>
             <a:r>
               <a:rPr lang="ja-JP" altLang="en-US" sz="1800" kern="0" dirty="0">
@@ -9842,7 +9999,7 @@
                   <a:srgbClr val="5F5F5F"/>
                 </a:solidFill>
               </a:rPr>
-              <a:t>Installer(OpenRTM-aist-2.0.1</a:t>
+              <a:t>Installer(OpenRTM-aist-2.1.0</a:t>
             </a:r>
             <a:r>
               <a:rPr lang="ja-JP" altLang="en-US" sz="2400" kern="0" dirty="0">
@@ -10552,7 +10709,7 @@
                   <a:srgbClr val="5F5F5F"/>
                 </a:solidFill>
               </a:rPr>
-              <a:t>python-3.10.11-amd64.exe</a:t>
+              <a:t>python-3.11.13-amd64.exe</a:t>
             </a:r>
           </a:p>
           <a:p>
@@ -10567,7 +10724,7 @@
                   <a:srgbClr val="5F5F5F"/>
                 </a:solidFill>
               </a:rPr>
-              <a:t>OpenRTM-aist-2.0.1-RELEASE_x86_64.msi</a:t>
+              <a:t>OpenRTM-aist-2.1.0-RELEASE_x86_64.msi</a:t>
             </a:r>
           </a:p>
           <a:p>
@@ -10610,7 +10767,7 @@
                   <a:srgbClr val="5F5F5F"/>
                 </a:solidFill>
               </a:rPr>
-              <a:t>cmake-3.26.3-windows-x86_64.msi</a:t>
+              <a:t>cmake-3.31.6-windows-x86_64.msi</a:t>
             </a:r>
           </a:p>
           <a:p>
@@ -10648,23 +10805,7 @@
                   <a:srgbClr val="5F5F5F"/>
                 </a:solidFill>
               </a:rPr>
-              <a:t>のインストールは時間がかかるため</a:t>
-            </a:r>
-            <a:r>
-              <a:rPr lang="ja-JP" altLang="en-US" sz="2000">
-                <a:solidFill>
-                  <a:srgbClr val="5F5F5F"/>
-                </a:solidFill>
-              </a:rPr>
-              <a:t>、インストール途中でも実習</a:t>
-            </a:r>
-            <a:r>
-              <a:rPr lang="ja-JP" altLang="en-US" sz="2000" dirty="0">
-                <a:solidFill>
-                  <a:srgbClr val="5F5F5F"/>
-                </a:solidFill>
-              </a:rPr>
-              <a:t>を開始します。</a:t>
+              <a:t>のインストールは時間がかかるため、インストール途中でも実習を開始します。</a:t>
             </a:r>
             <a:endParaRPr lang="en-US" altLang="ja-JP" sz="2000" dirty="0">
               <a:solidFill>

--- a/ppt/インストールの確認.pptx
+++ b/ppt/インストールの確認.pptx
@@ -7582,12 +7582,20 @@
               <a:defRPr/>
             </a:pPr>
             <a:r>
+              <a:rPr lang="en-US" altLang="ja-JP" sz="1600">
+                <a:solidFill>
+                  <a:srgbClr val="5F5F5F"/>
+                </a:solidFill>
+              </a:rPr>
+              <a:t>python-3.11.9-amd64</a:t>
+            </a:r>
+            <a:r>
               <a:rPr lang="en-US" altLang="ja-JP" sz="1600" dirty="0">
                 <a:solidFill>
                   <a:srgbClr val="5F5F5F"/>
                 </a:solidFill>
               </a:rPr>
-              <a:t>python-3.11.13-amd64.exe</a:t>
+              <a:t>.exe</a:t>
             </a:r>
           </a:p>
           <a:p>
@@ -9530,7 +9538,7 @@
         </p:nvSpPr>
         <p:spPr bwMode="auto">
           <a:xfrm>
-            <a:off x="455261" y="1673805"/>
+            <a:off x="455261" y="1448780"/>
             <a:ext cx="8254116" cy="4680520"/>
           </a:xfrm>
           <a:prstGeom prst="rect">
@@ -9938,12 +9946,12 @@
               </a:lnSpc>
             </a:pPr>
             <a:r>
-              <a:rPr lang="en-US" altLang="zh-TW" sz="1800" kern="0" dirty="0" err="1">
-                <a:solidFill>
-                  <a:srgbClr val="5F5F5F"/>
-                </a:solidFill>
-              </a:rPr>
-              <a:t>rtshell</a:t>
+              <a:rPr lang="en-US" altLang="ja-JP" sz="1800" kern="0" dirty="0">
+                <a:solidFill>
+                  <a:srgbClr val="5F5F5F"/>
+                </a:solidFill>
+              </a:rPr>
+              <a:t>Processing</a:t>
             </a:r>
             <a:r>
               <a:rPr lang="ja-JP" altLang="en-US" sz="1800" kern="0" dirty="0">
@@ -9951,13 +9959,60 @@
                   <a:srgbClr val="5F5F5F"/>
                 </a:solidFill>
               </a:rPr>
-              <a:t>入門</a:t>
-            </a:r>
-            <a:endParaRPr lang="en-US" altLang="zh-TW" sz="1800" kern="0" dirty="0">
+              <a:t>実習</a:t>
+            </a:r>
+            <a:endParaRPr lang="en-US" altLang="ja-JP" sz="1800" kern="0" dirty="0">
               <a:solidFill>
                 <a:srgbClr val="5F5F5F"/>
               </a:solidFill>
             </a:endParaRPr>
+          </a:p>
+          <a:p>
+            <a:pPr eaLnBrk="1" hangingPunct="1">
+              <a:lnSpc>
+                <a:spcPct val="80000"/>
+              </a:lnSpc>
+            </a:pPr>
+            <a:r>
+              <a:rPr lang="en-US" altLang="ja-JP" sz="2400" kern="0" dirty="0">
+                <a:solidFill>
+                  <a:srgbClr val="5F5F5F"/>
+                </a:solidFill>
+              </a:rPr>
+              <a:t>Installer(OpenRTM-aist-2.1.0</a:t>
+            </a:r>
+            <a:r>
+              <a:rPr lang="ja-JP" altLang="en-US" sz="2400" kern="0" dirty="0">
+                <a:solidFill>
+                  <a:srgbClr val="5F5F5F"/>
+                </a:solidFill>
+              </a:rPr>
+              <a:t>版 </a:t>
+            </a:r>
+            <a:r>
+              <a:rPr lang="en-US" altLang="ja-JP" sz="2400" kern="0" dirty="0">
+                <a:solidFill>
+                  <a:srgbClr val="5F5F5F"/>
+                </a:solidFill>
+              </a:rPr>
+              <a:t>Windows</a:t>
+            </a:r>
+            <a:r>
+              <a:rPr lang="ja-JP" altLang="en-US" sz="2400" kern="0" dirty="0">
+                <a:solidFill>
+                  <a:srgbClr val="5F5F5F"/>
+                </a:solidFill>
+              </a:rPr>
+              <a:t>用インストーラ</a:t>
+            </a:r>
+            <a:r>
+              <a:rPr lang="en-US" altLang="ja-JP" sz="2400" kern="0" dirty="0">
+                <a:solidFill>
+                  <a:srgbClr val="5F5F5F"/>
+                </a:solidFill>
+              </a:rPr>
+              <a:t>)</a:t>
+            </a:r>
           </a:p>
           <a:p>
             <a:pPr lvl="1" eaLnBrk="1" hangingPunct="1">
@@ -9971,7 +10026,7 @@
                   <a:srgbClr val="5F5F5F"/>
                 </a:solidFill>
               </a:rPr>
-              <a:t>Processing</a:t>
+              <a:t>OpenRTM-aist</a:t>
             </a:r>
             <a:r>
               <a:rPr lang="ja-JP" altLang="en-US" sz="1800" kern="0" dirty="0">
@@ -9979,9 +10034,9 @@
                   <a:srgbClr val="5F5F5F"/>
                 </a:solidFill>
               </a:rPr>
-              <a:t>実習</a:t>
-            </a:r>
-            <a:endParaRPr lang="en-US" altLang="ja-JP" sz="1800" kern="0" dirty="0">
+              <a:t>のインストールに問題があった場合に使用してください</a:t>
+            </a:r>
+            <a:endParaRPr lang="en-US" altLang="zh-TW" sz="2000" kern="0" dirty="0">
               <a:solidFill>
                 <a:srgbClr val="5F5F5F"/>
               </a:solidFill>
@@ -9999,39 +10054,7 @@
                   <a:srgbClr val="5F5F5F"/>
                 </a:solidFill>
               </a:rPr>
-              <a:t>Installer(OpenRTM-aist-2.1.0</a:t>
-            </a:r>
-            <a:r>
-              <a:rPr lang="ja-JP" altLang="en-US" sz="2400" kern="0" dirty="0">
-                <a:solidFill>
-                  <a:srgbClr val="5F5F5F"/>
-                </a:solidFill>
-              </a:rPr>
-              <a:t>版 </a:t>
-            </a:r>
-            <a:r>
-              <a:rPr lang="en-US" altLang="ja-JP" sz="2400" kern="0" dirty="0">
-                <a:solidFill>
-                  <a:srgbClr val="5F5F5F"/>
-                </a:solidFill>
-              </a:rPr>
-              <a:t>Windows</a:t>
-            </a:r>
-            <a:r>
-              <a:rPr lang="ja-JP" altLang="en-US" sz="2400" kern="0" dirty="0">
-                <a:solidFill>
-                  <a:srgbClr val="5F5F5F"/>
-                </a:solidFill>
-              </a:rPr>
-              <a:t>用インストーラ</a:t>
-            </a:r>
-            <a:r>
-              <a:rPr lang="en-US" altLang="ja-JP" sz="2400" kern="0" dirty="0">
-                <a:solidFill>
-                  <a:srgbClr val="5F5F5F"/>
-                </a:solidFill>
-              </a:rPr>
-              <a:t>)</a:t>
+              <a:t>Processing</a:t>
             </a:r>
           </a:p>
           <a:p>
@@ -10041,22 +10064,22 @@
               </a:lnSpc>
             </a:pPr>
             <a:r>
-              <a:rPr lang="en-US" altLang="ja-JP" sz="1800" kern="0" dirty="0">
-                <a:solidFill>
-                  <a:srgbClr val="5F5F5F"/>
-                </a:solidFill>
-              </a:rPr>
-              <a:t>OpenRTM-aist</a:t>
-            </a:r>
-            <a:r>
-              <a:rPr lang="ja-JP" altLang="en-US" sz="1800" kern="0" dirty="0">
-                <a:solidFill>
-                  <a:srgbClr val="5F5F5F"/>
-                </a:solidFill>
-              </a:rPr>
-              <a:t>のインストールに問題があった場合に使用してください</a:t>
-            </a:r>
-            <a:endParaRPr lang="en-US" altLang="zh-TW" sz="2000" kern="0" dirty="0">
+              <a:rPr lang="en-US" altLang="ja-JP" sz="2000" kern="0" dirty="0">
+                <a:solidFill>
+                  <a:srgbClr val="5F5F5F"/>
+                </a:solidFill>
+              </a:rPr>
+              <a:t>Processing</a:t>
+            </a:r>
+            <a:r>
+              <a:rPr lang="ja-JP" altLang="en-US" sz="2000" kern="0" dirty="0">
+                <a:solidFill>
+                  <a:srgbClr val="5F5F5F"/>
+                </a:solidFill>
+              </a:rPr>
+              <a:t>用のライブラリ</a:t>
+            </a:r>
+            <a:endParaRPr lang="en-US" altLang="ja-JP" sz="2000" kern="0" dirty="0">
               <a:solidFill>
                 <a:srgbClr val="5F5F5F"/>
               </a:solidFill>
